--- a/Relatório&Apresentação/Quiz educacional em Java com MySql.pptx
+++ b/Relatório&Apresentação/Quiz educacional em Java com MySql.pptx
@@ -130,6 +130,35 @@
     <p1510:client id="{EFB50D7B-06DC-154F-A485-FEDF8310CDC9}" v="62" dt="2025-06-02T21:40:07.591"/>
   </p1510:revLst>
 </p1510:revInfo>
+</file>
+
+<file path=ppt/changesInfos/changesInfo1.xml><?xml version="1.0" encoding="utf-8"?>
+<pc:chgInfo xmlns:a="http://schemas.openxmlformats.org/drawingml/2006/main" xmlns:r="http://schemas.openxmlformats.org/officeDocument/2006/relationships" xmlns:ac="http://schemas.microsoft.com/office/drawing/2013/main/command" xmlns:pc="http://schemas.microsoft.com/office/powerpoint/2013/main/command">
+  <pc:docChgLst>
+    <pc:chgData name="Felipe Fazio da Costa" userId="f612cca0e8fbd98b" providerId="LiveId" clId="{6714BD7A-E03E-40B1-A6A2-5E41FAEA6771}"/>
+    <pc:docChg chg="modSld">
+      <pc:chgData name="Felipe Fazio da Costa" userId="f612cca0e8fbd98b" providerId="LiveId" clId="{6714BD7A-E03E-40B1-A6A2-5E41FAEA6771}" dt="2025-06-02T22:54:20.866" v="7" actId="207"/>
+      <pc:docMkLst>
+        <pc:docMk/>
+      </pc:docMkLst>
+      <pc:sldChg chg="modSp mod">
+        <pc:chgData name="Felipe Fazio da Costa" userId="f612cca0e8fbd98b" providerId="LiveId" clId="{6714BD7A-E03E-40B1-A6A2-5E41FAEA6771}" dt="2025-06-02T22:54:20.866" v="7" actId="207"/>
+        <pc:sldMkLst>
+          <pc:docMk/>
+          <pc:sldMk cId="1499931743" sldId="256"/>
+        </pc:sldMkLst>
+        <pc:spChg chg="mod">
+          <ac:chgData name="Felipe Fazio da Costa" userId="f612cca0e8fbd98b" providerId="LiveId" clId="{6714BD7A-E03E-40B1-A6A2-5E41FAEA6771}" dt="2025-06-02T22:54:20.866" v="7" actId="207"/>
+          <ac:spMkLst>
+            <pc:docMk/>
+            <pc:sldMk cId="1499931743" sldId="256"/>
+            <ac:spMk id="3" creationId="{52749B0B-26B4-3CB0-DD00-58433B598F6A}"/>
+          </ac:spMkLst>
+        </pc:spChg>
+      </pc:sldChg>
+    </pc:docChg>
+  </pc:docChgLst>
+</pc:chgInfo>
 </file>
 
 <file path=ppt/diagrams/colors1.xml><?xml version="1.0" encoding="utf-8"?>
@@ -15944,7 +15973,7 @@
           <a:p>
             <a:fld id="{22D0C134-4478-F041-85A9-921FC4C7FA20}" type="slidenum">
               <a:rPr lang="pt-BR" smtClean="0"/>
-              <a:t>‹#›</a:t>
+              <a:t>‹nº›</a:t>
             </a:fld>
             <a:endParaRPr lang="pt-BR"/>
           </a:p>
@@ -16142,7 +16171,7 @@
           <a:p>
             <a:fld id="{22D0C134-4478-F041-85A9-921FC4C7FA20}" type="slidenum">
               <a:rPr lang="pt-BR" smtClean="0"/>
-              <a:t>‹#›</a:t>
+              <a:t>‹nº›</a:t>
             </a:fld>
             <a:endParaRPr lang="pt-BR"/>
           </a:p>
@@ -16350,7 +16379,7 @@
           <a:p>
             <a:fld id="{22D0C134-4478-F041-85A9-921FC4C7FA20}" type="slidenum">
               <a:rPr lang="pt-BR" smtClean="0"/>
-              <a:t>‹#›</a:t>
+              <a:t>‹nº›</a:t>
             </a:fld>
             <a:endParaRPr lang="pt-BR"/>
           </a:p>
@@ -16548,7 +16577,7 @@
           <a:p>
             <a:fld id="{22D0C134-4478-F041-85A9-921FC4C7FA20}" type="slidenum">
               <a:rPr lang="pt-BR" smtClean="0"/>
-              <a:t>‹#›</a:t>
+              <a:t>‹nº›</a:t>
             </a:fld>
             <a:endParaRPr lang="pt-BR"/>
           </a:p>
@@ -16823,7 +16852,7 @@
           <a:p>
             <a:fld id="{22D0C134-4478-F041-85A9-921FC4C7FA20}" type="slidenum">
               <a:rPr lang="pt-BR" smtClean="0"/>
-              <a:t>‹#›</a:t>
+              <a:t>‹nº›</a:t>
             </a:fld>
             <a:endParaRPr lang="pt-BR"/>
           </a:p>
@@ -17088,7 +17117,7 @@
           <a:p>
             <a:fld id="{22D0C134-4478-F041-85A9-921FC4C7FA20}" type="slidenum">
               <a:rPr lang="pt-BR" smtClean="0"/>
-              <a:t>‹#›</a:t>
+              <a:t>‹nº›</a:t>
             </a:fld>
             <a:endParaRPr lang="pt-BR"/>
           </a:p>
@@ -17500,7 +17529,7 @@
           <a:p>
             <a:fld id="{22D0C134-4478-F041-85A9-921FC4C7FA20}" type="slidenum">
               <a:rPr lang="pt-BR" smtClean="0"/>
-              <a:t>‹#›</a:t>
+              <a:t>‹nº›</a:t>
             </a:fld>
             <a:endParaRPr lang="pt-BR"/>
           </a:p>
@@ -17641,7 +17670,7 @@
           <a:p>
             <a:fld id="{22D0C134-4478-F041-85A9-921FC4C7FA20}" type="slidenum">
               <a:rPr lang="pt-BR" smtClean="0"/>
-              <a:t>‹#›</a:t>
+              <a:t>‹nº›</a:t>
             </a:fld>
             <a:endParaRPr lang="pt-BR"/>
           </a:p>
@@ -17754,7 +17783,7 @@
           <a:p>
             <a:fld id="{22D0C134-4478-F041-85A9-921FC4C7FA20}" type="slidenum">
               <a:rPr lang="pt-BR" smtClean="0"/>
-              <a:t>‹#›</a:t>
+              <a:t>‹nº›</a:t>
             </a:fld>
             <a:endParaRPr lang="pt-BR"/>
           </a:p>
@@ -18065,7 +18094,7 @@
           <a:p>
             <a:fld id="{22D0C134-4478-F041-85A9-921FC4C7FA20}" type="slidenum">
               <a:rPr lang="pt-BR" smtClean="0"/>
-              <a:t>‹#›</a:t>
+              <a:t>‹nº›</a:t>
             </a:fld>
             <a:endParaRPr lang="pt-BR"/>
           </a:p>
@@ -18353,7 +18382,7 @@
           <a:p>
             <a:fld id="{22D0C134-4478-F041-85A9-921FC4C7FA20}" type="slidenum">
               <a:rPr lang="pt-BR" smtClean="0"/>
-              <a:t>‹#›</a:t>
+              <a:t>‹nº›</a:t>
             </a:fld>
             <a:endParaRPr lang="pt-BR"/>
           </a:p>
@@ -18630,7 +18659,7 @@
           <a:p>
             <a:fld id="{22D0C134-4478-F041-85A9-921FC4C7FA20}" type="slidenum">
               <a:rPr lang="pt-BR" smtClean="0"/>
-              <a:t>‹#›</a:t>
+              <a:t>‹nº›</a:t>
             </a:fld>
             <a:endParaRPr lang="pt-BR"/>
           </a:p>
@@ -19381,14 +19410,14 @@
               <a:t>Quiz educacional em Java com </a:t>
             </a:r>
             <a:r>
-              <a:rPr lang="pt-BR" sz="4800" err="1">
+              <a:rPr lang="pt-BR" sz="4800" dirty="0" err="1">
                 <a:solidFill>
                   <a:srgbClr val="FFFFFF"/>
                 </a:solidFill>
               </a:rPr>
               <a:t>MySql</a:t>
             </a:r>
-            <a:endParaRPr lang="pt-BR" sz="4800">
+            <a:endParaRPr lang="pt-BR" sz="4800" dirty="0">
               <a:solidFill>
                 <a:srgbClr val="FFFFFF"/>
               </a:solidFill>
@@ -19502,7 +19531,7 @@
           <a:p>
             <a:pPr algn="l"/>
             <a:r>
-              <a:rPr lang="pt-BR" sz="1800">
+              <a:rPr lang="pt-BR" sz="1800" dirty="0">
                 <a:solidFill>
                   <a:srgbClr val="FFFFFF"/>
                 </a:solidFill>
@@ -19513,7 +19542,7 @@
           <a:p>
             <a:pPr algn="l"/>
             <a:r>
-              <a:rPr lang="pt-BR" sz="1800">
+              <a:rPr lang="pt-BR" sz="1800" dirty="0">
                 <a:solidFill>
                   <a:srgbClr val="FFFFFF"/>
                 </a:solidFill>
@@ -19524,7 +19553,7 @@
           <a:p>
             <a:pPr algn="l"/>
             <a:r>
-              <a:rPr lang="pt-BR" sz="1800">
+              <a:rPr lang="pt-BR" sz="1800" dirty="0">
                 <a:solidFill>
                   <a:srgbClr val="FFFFFF"/>
                 </a:solidFill>
@@ -19535,7 +19564,7 @@
           <a:p>
             <a:pPr algn="l"/>
             <a:r>
-              <a:rPr lang="pt-BR" sz="1800">
+              <a:rPr lang="pt-BR" sz="1800" dirty="0">
                 <a:solidFill>
                   <a:srgbClr val="FFFFFF"/>
                 </a:solidFill>
@@ -19546,12 +19575,20 @@
           <a:p>
             <a:pPr algn="l"/>
             <a:r>
-              <a:rPr lang="pt-BR" sz="1800">
+              <a:rPr lang="pt-BR" sz="1800" dirty="0">
                 <a:solidFill>
                   <a:srgbClr val="FFFFFF"/>
                 </a:solidFill>
               </a:rPr>
-              <a:t>JONAS FERNANDO DA SILVA EBOLI MACHADO; 22.0</a:t>
+              <a:t>JONAS FERNANDO DA SILVA EBOLI MACHADO; </a:t>
+            </a:r>
+            <a:r>
+              <a:rPr lang="pt-BR" sz="1800" dirty="0">
+                <a:solidFill>
+                  <a:schemeClr val="bg1"/>
+                </a:solidFill>
+              </a:rPr>
+              <a:t>22.00910-8</a:t>
             </a:r>
           </a:p>
         </p:txBody>

--- a/Relatório&Apresentação/Quiz educacional em Java com MySql.pptx
+++ b/Relatório&Apresentação/Quiz educacional em Java com MySql.pptx
@@ -122,6 +122,12 @@
 </p:presentation>
 </file>
 
+<file path=ppt/authors.xml><?xml version="1.0" encoding="utf-8"?>
+<p188:authorLst xmlns:a="http://schemas.openxmlformats.org/drawingml/2006/main" xmlns:r="http://schemas.openxmlformats.org/officeDocument/2006/relationships" xmlns:p188="http://schemas.microsoft.com/office/powerpoint/2018/8/main">
+  <p188:author id="{6C75B6F0-14D7-8FDC-D61A-C766D308D5BD}" name="Felipe Fazio da Costa" initials="FF" userId="f612cca0e8fbd98b" providerId="Windows Live"/>
+</p188:authorLst>
+</file>
+
 <file path=ppt/revisionInfo.xml><?xml version="1.0" encoding="utf-8"?>
 <p1510:revInfo xmlns:a="http://schemas.openxmlformats.org/drawingml/2006/main" xmlns:r="http://schemas.openxmlformats.org/officeDocument/2006/relationships" xmlns:p1510="http://schemas.microsoft.com/office/powerpoint/2015/10/main">
   <p1510:revLst>
@@ -159,6 +165,237 @@
     </pc:docChg>
   </pc:docChgLst>
 </pc:chgInfo>
+</file>
+
+<file path=ppt/comments/modernComment_100_5967245F.xml><?xml version="1.0" encoding="utf-8"?>
+<p188:cmLst xmlns:a="http://schemas.openxmlformats.org/drawingml/2006/main" xmlns:r="http://schemas.openxmlformats.org/officeDocument/2006/relationships" xmlns:p188="http://schemas.microsoft.com/office/powerpoint/2018/8/main">
+  <p188:cm id="{9A268830-2387-45D5-A243-9845B455F8A1}" authorId="{6C75B6F0-14D7-8FDC-D61A-C766D308D5BD}" created="2025-06-02T23:05:16.843">
+    <pc:sldMkLst xmlns:pc="http://schemas.microsoft.com/office/powerpoint/2013/main/command">
+      <pc:docMk/>
+      <pc:sldMk cId="1499931743" sldId="256"/>
+    </pc:sldMkLst>
+    <p188:txBody>
+      <a:bodyPr/>
+      <a:lstStyle/>
+      <a:p>
+        <a:r>
+          <a:rPr lang="pt-BR"/>
+          <a:t>Ruth</a:t>
+        </a:r>
+      </a:p>
+    </p188:txBody>
+  </p188:cm>
+</p188:cmLst>
+</file>
+
+<file path=ppt/comments/modernComment_101_E4BA5CBC.xml><?xml version="1.0" encoding="utf-8"?>
+<p188:cmLst xmlns:a="http://schemas.openxmlformats.org/drawingml/2006/main" xmlns:r="http://schemas.openxmlformats.org/officeDocument/2006/relationships" xmlns:p188="http://schemas.microsoft.com/office/powerpoint/2018/8/main">
+  <p188:cm id="{AD0D44A0-4D60-431C-AF0D-7FFBF53E83AF}" authorId="{6C75B6F0-14D7-8FDC-D61A-C766D308D5BD}" created="2025-06-02T23:04:59.259">
+    <pc:sldMkLst xmlns:pc="http://schemas.microsoft.com/office/powerpoint/2013/main/command">
+      <pc:docMk/>
+      <pc:sldMk cId="3837418684" sldId="257"/>
+    </pc:sldMkLst>
+    <p188:txBody>
+      <a:bodyPr/>
+      <a:lstStyle/>
+      <a:p>
+        <a:r>
+          <a:rPr lang="pt-BR"/>
+          <a:t>Ruth</a:t>
+        </a:r>
+      </a:p>
+    </p188:txBody>
+  </p188:cm>
+</p188:cmLst>
+</file>
+
+<file path=ppt/comments/modernComment_102_1A75E4B8.xml><?xml version="1.0" encoding="utf-8"?>
+<p188:cmLst xmlns:a="http://schemas.openxmlformats.org/drawingml/2006/main" xmlns:r="http://schemas.openxmlformats.org/officeDocument/2006/relationships" xmlns:p188="http://schemas.microsoft.com/office/powerpoint/2018/8/main">
+  <p188:cm id="{27A2FA3C-FE5A-4B22-B2DD-0F9780D5034E}" authorId="{6C75B6F0-14D7-8FDC-D61A-C766D308D5BD}" created="2025-06-02T23:05:49.650">
+    <pc:sldMkLst xmlns:pc="http://schemas.microsoft.com/office/powerpoint/2013/main/command">
+      <pc:docMk/>
+      <pc:sldMk cId="443933880" sldId="258"/>
+    </pc:sldMkLst>
+    <p188:txBody>
+      <a:bodyPr/>
+      <a:lstStyle/>
+      <a:p>
+        <a:r>
+          <a:rPr lang="pt-BR"/>
+          <a:t>Ruth</a:t>
+        </a:r>
+      </a:p>
+    </p188:txBody>
+  </p188:cm>
+</p188:cmLst>
+</file>
+
+<file path=ppt/comments/modernComment_103_59AB20D7.xml><?xml version="1.0" encoding="utf-8"?>
+<p188:cmLst xmlns:a="http://schemas.openxmlformats.org/drawingml/2006/main" xmlns:r="http://schemas.openxmlformats.org/officeDocument/2006/relationships" xmlns:p188="http://schemas.microsoft.com/office/powerpoint/2018/8/main">
+  <p188:cm id="{AE974996-AAFF-4819-8D79-4317436463A7}" authorId="{6C75B6F0-14D7-8FDC-D61A-C766D308D5BD}" created="2025-06-02T23:06:21.254">
+    <pc:sldMkLst xmlns:pc="http://schemas.microsoft.com/office/powerpoint/2013/main/command">
+      <pc:docMk/>
+      <pc:sldMk cId="1504387287" sldId="259"/>
+    </pc:sldMkLst>
+    <p188:txBody>
+      <a:bodyPr/>
+      <a:lstStyle/>
+      <a:p>
+        <a:r>
+          <a:rPr lang="pt-BR"/>
+          <a:t>Godoi</a:t>
+        </a:r>
+      </a:p>
+    </p188:txBody>
+  </p188:cm>
+</p188:cmLst>
+</file>
+
+<file path=ppt/comments/modernComment_104_ED3C7054.xml><?xml version="1.0" encoding="utf-8"?>
+<p188:cmLst xmlns:a="http://schemas.openxmlformats.org/drawingml/2006/main" xmlns:r="http://schemas.openxmlformats.org/officeDocument/2006/relationships" xmlns:p188="http://schemas.microsoft.com/office/powerpoint/2018/8/main">
+  <p188:cm id="{D2DF74E9-FDAE-4B2E-B29B-1FEEF6E04A44}" authorId="{6C75B6F0-14D7-8FDC-D61A-C766D308D5BD}" created="2025-06-02T23:07:23.840">
+    <pc:sldMkLst xmlns:pc="http://schemas.microsoft.com/office/powerpoint/2013/main/command">
+      <pc:docMk/>
+      <pc:sldMk cId="3980161108" sldId="260"/>
+    </pc:sldMkLst>
+    <p188:txBody>
+      <a:bodyPr/>
+      <a:lstStyle/>
+      <a:p>
+        <a:r>
+          <a:rPr lang="pt-BR"/>
+          <a:t>Matheus</a:t>
+        </a:r>
+      </a:p>
+    </p188:txBody>
+  </p188:cm>
+</p188:cmLst>
+</file>
+
+<file path=ppt/comments/modernComment_105_30B231B2.xml><?xml version="1.0" encoding="utf-8"?>
+<p188:cmLst xmlns:a="http://schemas.openxmlformats.org/drawingml/2006/main" xmlns:r="http://schemas.openxmlformats.org/officeDocument/2006/relationships" xmlns:p188="http://schemas.microsoft.com/office/powerpoint/2018/8/main">
+  <p188:cm id="{ED427914-A196-49AB-8DF9-B47ED2315F1A}" authorId="{6C75B6F0-14D7-8FDC-D61A-C766D308D5BD}" created="2025-06-02T23:07:37.520">
+    <pc:sldMkLst xmlns:pc="http://schemas.microsoft.com/office/powerpoint/2013/main/command">
+      <pc:docMk/>
+      <pc:sldMk cId="816984498" sldId="261"/>
+    </pc:sldMkLst>
+    <p188:txBody>
+      <a:bodyPr/>
+      <a:lstStyle/>
+      <a:p>
+        <a:r>
+          <a:rPr lang="pt-BR"/>
+          <a:t>Godoi</a:t>
+        </a:r>
+      </a:p>
+    </p188:txBody>
+  </p188:cm>
+</p188:cmLst>
+</file>
+
+<file path=ppt/comments/modernComment_106_F38FF016.xml><?xml version="1.0" encoding="utf-8"?>
+<p188:cmLst xmlns:a="http://schemas.openxmlformats.org/drawingml/2006/main" xmlns:r="http://schemas.openxmlformats.org/officeDocument/2006/relationships" xmlns:p188="http://schemas.microsoft.com/office/powerpoint/2018/8/main">
+  <p188:cm id="{140AD595-5F43-4FF0-9BE5-D894F39A2C04}" authorId="{6C75B6F0-14D7-8FDC-D61A-C766D308D5BD}" created="2025-06-02T23:07:41.871">
+    <pc:sldMkLst xmlns:pc="http://schemas.microsoft.com/office/powerpoint/2013/main/command">
+      <pc:docMk/>
+      <pc:sldMk cId="4086296598" sldId="262"/>
+    </pc:sldMkLst>
+    <p188:txBody>
+      <a:bodyPr/>
+      <a:lstStyle/>
+      <a:p>
+        <a:r>
+          <a:rPr lang="pt-BR"/>
+          <a:t>Jhonas</a:t>
+        </a:r>
+      </a:p>
+    </p188:txBody>
+  </p188:cm>
+</p188:cmLst>
+</file>
+
+<file path=ppt/comments/modernComment_107_9898164C.xml><?xml version="1.0" encoding="utf-8"?>
+<p188:cmLst xmlns:a="http://schemas.openxmlformats.org/drawingml/2006/main" xmlns:r="http://schemas.openxmlformats.org/officeDocument/2006/relationships" xmlns:p188="http://schemas.microsoft.com/office/powerpoint/2018/8/main">
+  <p188:cm id="{00BC9CF8-4E3B-4829-9F05-3CCE5779A041}" authorId="{6C75B6F0-14D7-8FDC-D61A-C766D308D5BD}" created="2025-06-02T23:07:47.806">
+    <pc:sldMkLst xmlns:pc="http://schemas.microsoft.com/office/powerpoint/2013/main/command">
+      <pc:docMk/>
+      <pc:sldMk cId="2560104012" sldId="263"/>
+    </pc:sldMkLst>
+    <p188:txBody>
+      <a:bodyPr/>
+      <a:lstStyle/>
+      <a:p>
+        <a:r>
+          <a:rPr lang="pt-BR"/>
+          <a:t>Jhonas</a:t>
+        </a:r>
+      </a:p>
+    </p188:txBody>
+  </p188:cm>
+</p188:cmLst>
+</file>
+
+<file path=ppt/comments/modernComment_108_59E89D29.xml><?xml version="1.0" encoding="utf-8"?>
+<p188:cmLst xmlns:a="http://schemas.openxmlformats.org/drawingml/2006/main" xmlns:r="http://schemas.openxmlformats.org/officeDocument/2006/relationships" xmlns:p188="http://schemas.microsoft.com/office/powerpoint/2018/8/main">
+  <p188:cm id="{C3F92563-499E-4BC5-B066-B07FC94739F1}" authorId="{6C75B6F0-14D7-8FDC-D61A-C766D308D5BD}" created="2025-06-02T23:06:09.974">
+    <pc:sldMkLst xmlns:pc="http://schemas.microsoft.com/office/powerpoint/2013/main/command">
+      <pc:docMk/>
+      <pc:sldMk cId="1508416809" sldId="264"/>
+    </pc:sldMkLst>
+    <p188:txBody>
+      <a:bodyPr/>
+      <a:lstStyle/>
+      <a:p>
+        <a:r>
+          <a:rPr lang="pt-BR"/>
+          <a:t>Felipe</a:t>
+        </a:r>
+      </a:p>
+    </p188:txBody>
+  </p188:cm>
+</p188:cmLst>
+</file>
+
+<file path=ppt/comments/modernComment_109_F0DE0E14.xml><?xml version="1.0" encoding="utf-8"?>
+<p188:cmLst xmlns:a="http://schemas.openxmlformats.org/drawingml/2006/main" xmlns:r="http://schemas.openxmlformats.org/officeDocument/2006/relationships" xmlns:p188="http://schemas.microsoft.com/office/powerpoint/2018/8/main">
+  <p188:cm id="{4D22D184-F88B-4422-BA9A-49D379621D63}" authorId="{6C75B6F0-14D7-8FDC-D61A-C766D308D5BD}" created="2025-06-02T23:05:09.863">
+    <pc:sldMkLst xmlns:pc="http://schemas.microsoft.com/office/powerpoint/2013/main/command">
+      <pc:docMk/>
+      <pc:sldMk cId="4041084436" sldId="265"/>
+    </pc:sldMkLst>
+    <p188:txBody>
+      <a:bodyPr/>
+      <a:lstStyle/>
+      <a:p>
+        <a:r>
+          <a:rPr lang="pt-BR"/>
+          <a:t>Felipe</a:t>
+        </a:r>
+      </a:p>
+    </p188:txBody>
+  </p188:cm>
+</p188:cmLst>
+</file>
+
+<file path=ppt/comments/modernComment_10A_87CC7E7A.xml><?xml version="1.0" encoding="utf-8"?>
+<p188:cmLst xmlns:a="http://schemas.openxmlformats.org/drawingml/2006/main" xmlns:r="http://schemas.openxmlformats.org/officeDocument/2006/relationships" xmlns:p188="http://schemas.microsoft.com/office/powerpoint/2018/8/main">
+  <p188:cm id="{22DBE653-DD6B-49B0-8378-B5BB5272210A}" authorId="{6C75B6F0-14D7-8FDC-D61A-C766D308D5BD}" created="2025-06-02T23:07:28.966">
+    <pc:sldMkLst xmlns:pc="http://schemas.microsoft.com/office/powerpoint/2013/main/command">
+      <pc:docMk/>
+      <pc:sldMk cId="2278325882" sldId="266"/>
+    </pc:sldMkLst>
+    <p188:txBody>
+      <a:bodyPr/>
+      <a:lstStyle/>
+      <a:p>
+        <a:r>
+          <a:rPr lang="pt-BR"/>
+          <a:t>Matheus</a:t>
+        </a:r>
+      </a:p>
+    </p188:txBody>
+  </p188:cm>
+</p188:cmLst>
 </file>
 
 <file path=ppt/diagrams/colors1.xml><?xml version="1.0" encoding="utf-8"?>
@@ -4769,7 +5006,7 @@
   <dgm:whole/>
   <dgm:extLst>
     <a:ext uri="http://schemas.microsoft.com/office/drawing/2008/diagram">
-      <dsp:dataModelExt xmlns:dsp="http://schemas.microsoft.com/office/drawing/2008/diagram" relId="rId6" minVer="http://schemas.openxmlformats.org/drawingml/2006/diagram"/>
+      <dsp:dataModelExt xmlns:dsp="http://schemas.microsoft.com/office/drawing/2008/diagram" relId="rId7" minVer="http://schemas.openxmlformats.org/drawingml/2006/diagram"/>
     </a:ext>
   </dgm:extLst>
 </dgm:dataModel>
@@ -5407,7 +5644,7 @@
   <dgm:whole/>
   <dgm:extLst>
     <a:ext uri="http://schemas.microsoft.com/office/drawing/2008/diagram">
-      <dsp:dataModelExt xmlns:dsp="http://schemas.microsoft.com/office/drawing/2008/diagram" relId="rId6" minVer="http://schemas.openxmlformats.org/drawingml/2006/diagram"/>
+      <dsp:dataModelExt xmlns:dsp="http://schemas.microsoft.com/office/drawing/2008/diagram" relId="rId7" minVer="http://schemas.openxmlformats.org/drawingml/2006/diagram"/>
     </a:ext>
   </dgm:extLst>
 </dgm:dataModel>
@@ -5891,7 +6128,7 @@
   <dgm:whole/>
   <dgm:extLst>
     <a:ext uri="http://schemas.microsoft.com/office/drawing/2008/diagram">
-      <dsp:dataModelExt xmlns:dsp="http://schemas.microsoft.com/office/drawing/2008/diagram" relId="rId7" minVer="http://schemas.openxmlformats.org/drawingml/2006/diagram"/>
+      <dsp:dataModelExt xmlns:dsp="http://schemas.microsoft.com/office/drawing/2008/diagram" relId="rId8" minVer="http://schemas.openxmlformats.org/drawingml/2006/diagram"/>
     </a:ext>
   </dgm:extLst>
 </dgm:dataModel>
@@ -6188,7 +6425,7 @@
   <dgm:whole/>
   <dgm:extLst>
     <a:ext uri="http://schemas.microsoft.com/office/drawing/2008/diagram">
-      <dsp:dataModelExt xmlns:dsp="http://schemas.microsoft.com/office/drawing/2008/diagram" relId="rId6" minVer="http://schemas.openxmlformats.org/drawingml/2006/diagram"/>
+      <dsp:dataModelExt xmlns:dsp="http://schemas.microsoft.com/office/drawing/2008/diagram" relId="rId7" minVer="http://schemas.openxmlformats.org/drawingml/2006/diagram"/>
     </a:ext>
   </dgm:extLst>
 </dgm:dataModel>
@@ -6432,7 +6669,7 @@
   <dgm:whole/>
   <dgm:extLst>
     <a:ext uri="http://schemas.microsoft.com/office/drawing/2008/diagram">
-      <dsp:dataModelExt xmlns:dsp="http://schemas.microsoft.com/office/drawing/2008/diagram" relId="rId6" minVer="http://schemas.openxmlformats.org/drawingml/2006/diagram"/>
+      <dsp:dataModelExt xmlns:dsp="http://schemas.microsoft.com/office/drawing/2008/diagram" relId="rId7" minVer="http://schemas.openxmlformats.org/drawingml/2006/diagram"/>
     </a:ext>
   </dgm:extLst>
 </dgm:dataModel>
@@ -19679,6 +19916,11 @@
   <p:clrMapOvr>
     <a:masterClrMapping/>
   </p:clrMapOvr>
+  <p:extLst>
+    <p:ext uri="{6950BFC3-D8DA-4A85-94F7-54DA5524770B}">
+      <p188:commentRel xmlns:p188="http://schemas.microsoft.com/office/powerpoint/2018/8/main" r:id="rId2"/>
+    </p:ext>
+  </p:extLst>
 </p:sld>
 </file>
 
@@ -20076,7 +20318,7 @@
         </p:xfrm>
         <a:graphic>
           <a:graphicData uri="http://schemas.openxmlformats.org/drawingml/2006/diagram">
-            <dgm:relIds xmlns:dgm="http://schemas.openxmlformats.org/drawingml/2006/diagram" xmlns:r="http://schemas.openxmlformats.org/officeDocument/2006/relationships" r:dm="rId2" r:lo="rId3" r:qs="rId4" r:cs="rId5"/>
+            <dgm:relIds xmlns:dgm="http://schemas.openxmlformats.org/drawingml/2006/diagram" xmlns:r="http://schemas.openxmlformats.org/officeDocument/2006/relationships" r:dm="rId3" r:lo="rId4" r:qs="rId5" r:cs="rId6"/>
           </a:graphicData>
         </a:graphic>
       </p:graphicFrame>
@@ -20090,6 +20332,11 @@
   <p:clrMapOvr>
     <a:masterClrMapping/>
   </p:clrMapOvr>
+  <p:extLst>
+    <p:ext uri="{6950BFC3-D8DA-4A85-94F7-54DA5524770B}">
+      <p188:commentRel xmlns:p188="http://schemas.microsoft.com/office/powerpoint/2018/8/main" r:id="rId2"/>
+    </p:ext>
+  </p:extLst>
 </p:sld>
 </file>
 
@@ -20225,7 +20472,7 @@
           <p:nvPr/>
         </p:nvPicPr>
         <p:blipFill>
-          <a:blip r:embed="rId2">
+          <a:blip r:embed="rId3">
             <a:alphaModFix amt="55000"/>
           </a:blip>
           <a:srcRect/>
@@ -20579,6 +20826,11 @@
   <p:clrMapOvr>
     <a:masterClrMapping/>
   </p:clrMapOvr>
+  <p:extLst>
+    <p:ext uri="{6950BFC3-D8DA-4A85-94F7-54DA5524770B}">
+      <p188:commentRel xmlns:p188="http://schemas.microsoft.com/office/powerpoint/2018/8/main" r:id="rId2"/>
+    </p:ext>
+  </p:extLst>
 </p:sld>
 </file>
 
@@ -20975,7 +21227,7 @@
         </p:xfrm>
         <a:graphic>
           <a:graphicData uri="http://schemas.openxmlformats.org/drawingml/2006/diagram">
-            <dgm:relIds xmlns:dgm="http://schemas.openxmlformats.org/drawingml/2006/diagram" xmlns:r="http://schemas.openxmlformats.org/officeDocument/2006/relationships" r:dm="rId2" r:lo="rId3" r:qs="rId4" r:cs="rId5"/>
+            <dgm:relIds xmlns:dgm="http://schemas.openxmlformats.org/drawingml/2006/diagram" xmlns:r="http://schemas.openxmlformats.org/officeDocument/2006/relationships" r:dm="rId3" r:lo="rId4" r:qs="rId5" r:cs="rId6"/>
           </a:graphicData>
         </a:graphic>
       </p:graphicFrame>
@@ -20989,6 +21241,11 @@
   <p:clrMapOvr>
     <a:masterClrMapping/>
   </p:clrMapOvr>
+  <p:extLst>
+    <p:ext uri="{6950BFC3-D8DA-4A85-94F7-54DA5524770B}">
+      <p188:commentRel xmlns:p188="http://schemas.microsoft.com/office/powerpoint/2018/8/main" r:id="rId2"/>
+    </p:ext>
+  </p:extLst>
 </p:sld>
 </file>
 
@@ -21384,7 +21641,7 @@
           <p:nvPr/>
         </p:nvPicPr>
         <p:blipFill>
-          <a:blip r:embed="rId2"/>
+          <a:blip r:embed="rId3"/>
           <a:stretch>
             <a:fillRect/>
           </a:stretch>
@@ -21409,6 +21666,11 @@
   <p:clrMapOvr>
     <a:masterClrMapping/>
   </p:clrMapOvr>
+  <p:extLst>
+    <p:ext uri="{6950BFC3-D8DA-4A85-94F7-54DA5524770B}">
+      <p188:commentRel xmlns:p188="http://schemas.microsoft.com/office/powerpoint/2018/8/main" r:id="rId2"/>
+    </p:ext>
+  </p:extLst>
 </p:sld>
 </file>
 
@@ -22018,7 +22280,7 @@
           <p:nvPr/>
         </p:nvPicPr>
         <p:blipFill>
-          <a:blip r:embed="rId2"/>
+          <a:blip r:embed="rId3"/>
           <a:srcRect r="33047" b="-1"/>
           <a:stretch>
             <a:fillRect/>
@@ -22156,6 +22418,11 @@
   <p:clrMapOvr>
     <a:masterClrMapping/>
   </p:clrMapOvr>
+  <p:extLst>
+    <p:ext uri="{6950BFC3-D8DA-4A85-94F7-54DA5524770B}">
+      <p188:commentRel xmlns:p188="http://schemas.microsoft.com/office/powerpoint/2018/8/main" r:id="rId2"/>
+    </p:ext>
+  </p:extLst>
 </p:sld>
 </file>
 
@@ -22546,7 +22813,7 @@
           <p:nvPr/>
         </p:nvPicPr>
         <p:blipFill>
-          <a:blip r:embed="rId2"/>
+          <a:blip r:embed="rId3"/>
           <a:stretch>
             <a:fillRect/>
           </a:stretch>
@@ -22571,6 +22838,11 @@
   <p:clrMapOvr>
     <a:masterClrMapping/>
   </p:clrMapOvr>
+  <p:extLst>
+    <p:ext uri="{6950BFC3-D8DA-4A85-94F7-54DA5524770B}">
+      <p188:commentRel xmlns:p188="http://schemas.microsoft.com/office/powerpoint/2018/8/main" r:id="rId2"/>
+    </p:ext>
+  </p:extLst>
 </p:sld>
 </file>
 
@@ -22967,7 +23239,7 @@
         </p:xfrm>
         <a:graphic>
           <a:graphicData uri="http://schemas.openxmlformats.org/drawingml/2006/diagram">
-            <dgm:relIds xmlns:dgm="http://schemas.openxmlformats.org/drawingml/2006/diagram" xmlns:r="http://schemas.openxmlformats.org/officeDocument/2006/relationships" r:dm="rId2" r:lo="rId3" r:qs="rId4" r:cs="rId5"/>
+            <dgm:relIds xmlns:dgm="http://schemas.openxmlformats.org/drawingml/2006/diagram" xmlns:r="http://schemas.openxmlformats.org/officeDocument/2006/relationships" r:dm="rId3" r:lo="rId4" r:qs="rId5" r:cs="rId6"/>
           </a:graphicData>
         </a:graphic>
       </p:graphicFrame>
@@ -22981,6 +23253,11 @@
   <p:clrMapOvr>
     <a:masterClrMapping/>
   </p:clrMapOvr>
+  <p:extLst>
+    <p:ext uri="{6950BFC3-D8DA-4A85-94F7-54DA5524770B}">
+      <p188:commentRel xmlns:p188="http://schemas.microsoft.com/office/powerpoint/2018/8/main" r:id="rId2"/>
+    </p:ext>
+  </p:extLst>
 </p:sld>
 </file>
 
@@ -23024,7 +23301,7 @@
           <p:nvPr/>
         </p:nvPicPr>
         <p:blipFill>
-          <a:blip r:embed="rId2">
+          <a:blip r:embed="rId3">
             <a:duotone>
               <a:schemeClr val="bg2">
                 <a:shade val="45000"/>
@@ -23187,7 +23464,7 @@
         </p:xfrm>
         <a:graphic>
           <a:graphicData uri="http://schemas.openxmlformats.org/drawingml/2006/diagram">
-            <dgm:relIds xmlns:dgm="http://schemas.openxmlformats.org/drawingml/2006/diagram" xmlns:r="http://schemas.openxmlformats.org/officeDocument/2006/relationships" r:dm="rId3" r:lo="rId4" r:qs="rId5" r:cs="rId6"/>
+            <dgm:relIds xmlns:dgm="http://schemas.openxmlformats.org/drawingml/2006/diagram" xmlns:r="http://schemas.openxmlformats.org/officeDocument/2006/relationships" r:dm="rId4" r:lo="rId5" r:qs="rId6" r:cs="rId7"/>
           </a:graphicData>
         </a:graphic>
       </p:graphicFrame>
@@ -23201,6 +23478,11 @@
   <p:clrMapOvr>
     <a:masterClrMapping/>
   </p:clrMapOvr>
+  <p:extLst>
+    <p:ext uri="{6950BFC3-D8DA-4A85-94F7-54DA5524770B}">
+      <p188:commentRel xmlns:p188="http://schemas.microsoft.com/office/powerpoint/2018/8/main" r:id="rId2"/>
+    </p:ext>
+  </p:extLst>
 </p:sld>
 </file>
 
@@ -23596,7 +23878,7 @@
           <p:nvPr/>
         </p:nvPicPr>
         <p:blipFill>
-          <a:blip r:embed="rId2"/>
+          <a:blip r:embed="rId3"/>
           <a:stretch>
             <a:fillRect/>
           </a:stretch>
@@ -23621,6 +23903,11 @@
   <p:clrMapOvr>
     <a:masterClrMapping/>
   </p:clrMapOvr>
+  <p:extLst>
+    <p:ext uri="{6950BFC3-D8DA-4A85-94F7-54DA5524770B}">
+      <p188:commentRel xmlns:p188="http://schemas.microsoft.com/office/powerpoint/2018/8/main" r:id="rId2"/>
+    </p:ext>
+  </p:extLst>
 </p:sld>
 </file>
 
@@ -24017,7 +24304,7 @@
         </p:xfrm>
         <a:graphic>
           <a:graphicData uri="http://schemas.openxmlformats.org/drawingml/2006/diagram">
-            <dgm:relIds xmlns:dgm="http://schemas.openxmlformats.org/drawingml/2006/diagram" xmlns:r="http://schemas.openxmlformats.org/officeDocument/2006/relationships" r:dm="rId2" r:lo="rId3" r:qs="rId4" r:cs="rId5"/>
+            <dgm:relIds xmlns:dgm="http://schemas.openxmlformats.org/drawingml/2006/diagram" xmlns:r="http://schemas.openxmlformats.org/officeDocument/2006/relationships" r:dm="rId3" r:lo="rId4" r:qs="rId5" r:cs="rId6"/>
           </a:graphicData>
         </a:graphic>
       </p:graphicFrame>
@@ -24031,6 +24318,11 @@
   <p:clrMapOvr>
     <a:masterClrMapping/>
   </p:clrMapOvr>
+  <p:extLst>
+    <p:ext uri="{6950BFC3-D8DA-4A85-94F7-54DA5524770B}">
+      <p188:commentRel xmlns:p188="http://schemas.microsoft.com/office/powerpoint/2018/8/main" r:id="rId2"/>
+    </p:ext>
+  </p:extLst>
 </p:sld>
 </file>
 
